--- a/6044_FramPat/D2D/W09+/Lua/Lua.C-registry.tables.lightdata.pptx
+++ b/6044_FramPat/D2D/W09+/Lua/Lua.C-registry.tables.lightdata.pptx
@@ -227,7 +227,7 @@
             <a:fld id="{3D3F9196-5FBD-45F8-86BD-A3D90AC79AC7}" type="datetimeFigureOut">
               <a:rPr lang="en-CA" smtClean="0"/>
               <a:pPr/>
-              <a:t>2023-11-20</a:t>
+              <a:t>2024-11-11</a:t>
             </a:fld>
             <a:endParaRPr lang="en-CA" dirty="0"/>
           </a:p>
@@ -1016,7 +1016,7 @@
             <a:fld id="{5B8DBE04-A610-4052-99FA-194876B9844B}" type="datetimeFigureOut">
               <a:rPr lang="en-CA" smtClean="0"/>
               <a:pPr/>
-              <a:t>2023-11-20</a:t>
+              <a:t>2024-11-11</a:t>
             </a:fld>
             <a:endParaRPr lang="en-CA" dirty="0"/>
           </a:p>
@@ -1183,7 +1183,7 @@
             <a:fld id="{5B8DBE04-A610-4052-99FA-194876B9844B}" type="datetimeFigureOut">
               <a:rPr lang="en-CA" smtClean="0"/>
               <a:pPr/>
-              <a:t>2023-11-20</a:t>
+              <a:t>2024-11-11</a:t>
             </a:fld>
             <a:endParaRPr lang="en-CA" dirty="0"/>
           </a:p>
@@ -1360,7 +1360,7 @@
             <a:fld id="{5B8DBE04-A610-4052-99FA-194876B9844B}" type="datetimeFigureOut">
               <a:rPr lang="en-CA" smtClean="0"/>
               <a:pPr/>
-              <a:t>2023-11-20</a:t>
+              <a:t>2024-11-11</a:t>
             </a:fld>
             <a:endParaRPr lang="en-CA" dirty="0"/>
           </a:p>
@@ -1527,7 +1527,7 @@
             <a:fld id="{5B8DBE04-A610-4052-99FA-194876B9844B}" type="datetimeFigureOut">
               <a:rPr lang="en-CA" smtClean="0"/>
               <a:pPr/>
-              <a:t>2023-11-20</a:t>
+              <a:t>2024-11-11</a:t>
             </a:fld>
             <a:endParaRPr lang="en-CA" dirty="0"/>
           </a:p>
@@ -1770,7 +1770,7 @@
             <a:fld id="{5B8DBE04-A610-4052-99FA-194876B9844B}" type="datetimeFigureOut">
               <a:rPr lang="en-CA" smtClean="0"/>
               <a:pPr/>
-              <a:t>2023-11-20</a:t>
+              <a:t>2024-11-11</a:t>
             </a:fld>
             <a:endParaRPr lang="en-CA" dirty="0"/>
           </a:p>
@@ -2055,7 +2055,7 @@
             <a:fld id="{5B8DBE04-A610-4052-99FA-194876B9844B}" type="datetimeFigureOut">
               <a:rPr lang="en-CA" smtClean="0"/>
               <a:pPr/>
-              <a:t>2023-11-20</a:t>
+              <a:t>2024-11-11</a:t>
             </a:fld>
             <a:endParaRPr lang="en-CA" dirty="0"/>
           </a:p>
@@ -2479,7 +2479,7 @@
             <a:fld id="{5B8DBE04-A610-4052-99FA-194876B9844B}" type="datetimeFigureOut">
               <a:rPr lang="en-CA" smtClean="0"/>
               <a:pPr/>
-              <a:t>2023-11-20</a:t>
+              <a:t>2024-11-11</a:t>
             </a:fld>
             <a:endParaRPr lang="en-CA" dirty="0"/>
           </a:p>
@@ -2594,7 +2594,7 @@
             <a:fld id="{5B8DBE04-A610-4052-99FA-194876B9844B}" type="datetimeFigureOut">
               <a:rPr lang="en-CA" smtClean="0"/>
               <a:pPr/>
-              <a:t>2023-11-20</a:t>
+              <a:t>2024-11-11</a:t>
             </a:fld>
             <a:endParaRPr lang="en-CA" dirty="0"/>
           </a:p>
@@ -2686,7 +2686,7 @@
             <a:fld id="{5B8DBE04-A610-4052-99FA-194876B9844B}" type="datetimeFigureOut">
               <a:rPr lang="en-CA" smtClean="0"/>
               <a:pPr/>
-              <a:t>2023-11-20</a:t>
+              <a:t>2024-11-11</a:t>
             </a:fld>
             <a:endParaRPr lang="en-CA" dirty="0"/>
           </a:p>
@@ -2960,7 +2960,7 @@
             <a:fld id="{5B8DBE04-A610-4052-99FA-194876B9844B}" type="datetimeFigureOut">
               <a:rPr lang="en-CA" smtClean="0"/>
               <a:pPr/>
-              <a:t>2023-11-20</a:t>
+              <a:t>2024-11-11</a:t>
             </a:fld>
             <a:endParaRPr lang="en-CA" dirty="0"/>
           </a:p>
@@ -3210,7 +3210,7 @@
             <a:fld id="{5B8DBE04-A610-4052-99FA-194876B9844B}" type="datetimeFigureOut">
               <a:rPr lang="en-CA" smtClean="0"/>
               <a:pPr/>
-              <a:t>2023-11-20</a:t>
+              <a:t>2024-11-11</a:t>
             </a:fld>
             <a:endParaRPr lang="en-CA" dirty="0"/>
           </a:p>
@@ -3421,7 +3421,7 @@
             <a:fld id="{5B8DBE04-A610-4052-99FA-194876B9844B}" type="datetimeFigureOut">
               <a:rPr lang="en-CA" smtClean="0"/>
               <a:pPr/>
-              <a:t>2023-11-20</a:t>
+              <a:t>2024-11-11</a:t>
             </a:fld>
             <a:endParaRPr lang="en-CA" dirty="0"/>
           </a:p>
@@ -9474,7 +9474,7 @@
         </p:nvSpPr>
         <p:spPr>
           <a:xfrm>
-            <a:off x="4572000" y="3275428"/>
+            <a:off x="4602480" y="1822791"/>
             <a:ext cx="1066800" cy="800100"/>
           </a:xfrm>
           <a:prstGeom prst="rightArrow">
